--- a/doc/8.基于TSS Java开发.pptx
+++ b/doc/8.基于TSS Java开发.pptx
@@ -197,7 +197,7 @@
           <a:p>
             <a:fld id="{B86859C3-2692-784F-AC34-40A9E7B69405}" type="datetimeFigureOut">
               <a:rPr kumimoji="1" lang="zh-CN" altLang="en-US" smtClean="0"/>
-              <a:t>18/2/28</a:t>
+              <a:t>18/3/4</a:t>
             </a:fld>
             <a:endParaRPr kumimoji="1" lang="zh-CN" altLang="en-US"/>
           </a:p>
@@ -509,7 +509,136 @@
           <a:bodyPr/>
           <a:lstStyle/>
           <a:p>
-            <a:endParaRPr kumimoji="1" lang="zh-CN" altLang="en-US" dirty="0"/>
+            <a:r>
+              <a:rPr kumimoji="1" lang="zh-CN" altLang="en-US" dirty="0" smtClean="0"/>
+              <a:t>基于框架学习、开发</a:t>
+            </a:r>
+            <a:endParaRPr kumimoji="1" lang="en-US" altLang="zh-CN" dirty="0" smtClean="0"/>
+          </a:p>
+          <a:p>
+            <a:r>
+              <a:rPr kumimoji="1" lang="zh-CN" altLang="en-US" dirty="0" smtClean="0"/>
+              <a:t>前后框架：</a:t>
+            </a:r>
+            <a:r>
+              <a:rPr kumimoji="1" lang="en-US" altLang="zh-CN" dirty="0" err="1" smtClean="0"/>
+              <a:t>tssJS</a:t>
+            </a:r>
+            <a:r>
+              <a:rPr kumimoji="1" lang="zh-CN" altLang="en-US" dirty="0" smtClean="0"/>
+              <a:t>、</a:t>
+            </a:r>
+            <a:r>
+              <a:rPr kumimoji="1" lang="en-US" altLang="zh-CN" dirty="0" err="1" smtClean="0"/>
+              <a:t>jQuery</a:t>
+            </a:r>
+            <a:r>
+              <a:rPr kumimoji="1" lang="zh-CN" altLang="en-US" dirty="0" smtClean="0"/>
+              <a:t>、</a:t>
+            </a:r>
+            <a:r>
+              <a:rPr kumimoji="1" lang="en-US" altLang="zh-CN" dirty="0" err="1" smtClean="0"/>
+              <a:t>EasyUI</a:t>
+            </a:r>
+            <a:r>
+              <a:rPr kumimoji="1" lang="zh-CN" altLang="en-US" dirty="0" smtClean="0"/>
+              <a:t>、</a:t>
+            </a:r>
+            <a:r>
+              <a:rPr kumimoji="1" lang="en-US" altLang="zh-CN" dirty="0" err="1" smtClean="0"/>
+              <a:t>Echarts</a:t>
+            </a:r>
+            <a:r>
+              <a:rPr kumimoji="1" lang="zh-CN" altLang="en-US" dirty="0" smtClean="0"/>
+              <a:t>等  原始：</a:t>
+            </a:r>
+            <a:r>
+              <a:rPr kumimoji="1" lang="en-US" altLang="zh-CN" dirty="0" err="1" smtClean="0"/>
+              <a:t>js</a:t>
+            </a:r>
+            <a:r>
+              <a:rPr kumimoji="1" lang="zh-CN" altLang="en-US" dirty="0" smtClean="0"/>
+              <a:t>、</a:t>
+            </a:r>
+            <a:r>
+              <a:rPr kumimoji="1" lang="en-US" altLang="zh-CN" dirty="0" smtClean="0"/>
+              <a:t>html</a:t>
+            </a:r>
+            <a:r>
+              <a:rPr kumimoji="1" lang="zh-CN" altLang="en-US" dirty="0" smtClean="0"/>
+              <a:t>、</a:t>
+            </a:r>
+            <a:r>
+              <a:rPr kumimoji="1" lang="en-US" altLang="zh-CN" dirty="0" err="1" smtClean="0"/>
+              <a:t>css</a:t>
+            </a:r>
+            <a:endParaRPr kumimoji="1" lang="en-US" altLang="zh-CN" dirty="0" smtClean="0"/>
+          </a:p>
+          <a:p>
+            <a:r>
+              <a:rPr kumimoji="1" lang="zh-CN" altLang="en-US" dirty="0" smtClean="0"/>
+              <a:t>后台框架：</a:t>
+            </a:r>
+            <a:r>
+              <a:rPr kumimoji="1" lang="en-US" altLang="zh-CN" dirty="0" err="1" smtClean="0"/>
+              <a:t>tssJava</a:t>
+            </a:r>
+            <a:r>
+              <a:rPr kumimoji="1" lang="zh-CN" altLang="en-US" dirty="0" smtClean="0"/>
+              <a:t>、</a:t>
+            </a:r>
+            <a:r>
+              <a:rPr kumimoji="1" lang="en-US" altLang="zh-CN" dirty="0" smtClean="0"/>
+              <a:t>Spring</a:t>
+            </a:r>
+            <a:r>
+              <a:rPr kumimoji="1" lang="zh-CN" altLang="en-US" dirty="0" smtClean="0"/>
+              <a:t>、</a:t>
+            </a:r>
+            <a:r>
+              <a:rPr kumimoji="1" lang="en-US" altLang="zh-CN" dirty="0" smtClean="0"/>
+              <a:t>Hibernate</a:t>
+            </a:r>
+            <a:r>
+              <a:rPr kumimoji="1" lang="zh-CN" altLang="en-US" dirty="0" smtClean="0"/>
+              <a:t>、</a:t>
+            </a:r>
+            <a:r>
+              <a:rPr kumimoji="1" lang="en-US" altLang="zh-CN" dirty="0" smtClean="0"/>
+              <a:t>MVC</a:t>
+            </a:r>
+            <a:r>
+              <a:rPr kumimoji="1" lang="zh-CN" altLang="en-US" dirty="0" smtClean="0"/>
+              <a:t>等 原始</a:t>
+            </a:r>
+            <a:r>
+              <a:rPr kumimoji="1" lang="en-US" altLang="zh-CN" dirty="0" smtClean="0"/>
+              <a:t>:</a:t>
+            </a:r>
+            <a:r>
+              <a:rPr kumimoji="1" lang="zh-CN" altLang="en-US" dirty="0" smtClean="0"/>
+              <a:t> </a:t>
+            </a:r>
+            <a:r>
+              <a:rPr kumimoji="1" lang="en-US" altLang="zh-CN" dirty="0" smtClean="0"/>
+              <a:t>java</a:t>
+            </a:r>
+            <a:r>
+              <a:rPr kumimoji="1" lang="zh-CN" altLang="en-US" dirty="0" smtClean="0"/>
+              <a:t>、</a:t>
+            </a:r>
+            <a:r>
+              <a:rPr kumimoji="1" lang="en-US" altLang="zh-CN" dirty="0" err="1" smtClean="0"/>
+              <a:t>jdbc</a:t>
+            </a:r>
+            <a:r>
+              <a:rPr kumimoji="1" lang="zh-CN" altLang="en-US" dirty="0" smtClean="0"/>
+              <a:t>、</a:t>
+            </a:r>
+            <a:r>
+              <a:rPr kumimoji="1" lang="en-US" altLang="zh-CN" smtClean="0"/>
+              <a:t>servlet</a:t>
+            </a:r>
           </a:p>
         </p:txBody>
       </p:sp>
@@ -1045,9 +1174,16 @@
           <a:bodyPr/>
           <a:lstStyle/>
           <a:p>
+            <a:endParaRPr kumimoji="1" lang="en-US" altLang="zh-CN" dirty="0" smtClean="0"/>
+          </a:p>
+          <a:p>
             <a:r>
               <a:rPr kumimoji="1" lang="zh-CN" altLang="en-US" dirty="0" smtClean="0"/>
-              <a:t>案例：</a:t>
+              <a:t>案例</a:t>
+            </a:r>
+            <a:r>
+              <a:rPr kumimoji="1" lang="zh-CN" altLang="en-US" dirty="0" smtClean="0"/>
+              <a:t>：</a:t>
             </a:r>
             <a:endParaRPr kumimoji="1" lang="en-US" altLang="zh-CN" dirty="0" smtClean="0"/>
           </a:p>
@@ -1120,11 +1256,7 @@
           <a:p>
             <a:r>
               <a:rPr kumimoji="1" lang="zh-CN" altLang="en-US" dirty="0" smtClean="0"/>
-              <a:t>规则：先生产先</a:t>
-            </a:r>
-            <a:r>
-              <a:rPr kumimoji="1" lang="zh-CN" altLang="en-US" smtClean="0"/>
-              <a:t>出   小库为优先</a:t>
+              <a:t>规则：先生产先出   小库为优先</a:t>
             </a:r>
             <a:endParaRPr kumimoji="1" lang="zh-CN" altLang="en-US" dirty="0"/>
           </a:p>
@@ -1347,7 +1479,7 @@
           <a:p>
             <a:fld id="{D7B12BEA-236C-5749-AF49-060B228B08C5}" type="datetimeFigureOut">
               <a:rPr kumimoji="1" lang="zh-CN" altLang="en-US" smtClean="0"/>
-              <a:t>18/2/28</a:t>
+              <a:t>18/3/4</a:t>
             </a:fld>
             <a:endParaRPr kumimoji="1" lang="zh-CN" altLang="en-US"/>
           </a:p>
@@ -1517,7 +1649,7 @@
           <a:p>
             <a:fld id="{D7B12BEA-236C-5749-AF49-060B228B08C5}" type="datetimeFigureOut">
               <a:rPr kumimoji="1" lang="zh-CN" altLang="en-US" smtClean="0"/>
-              <a:t>18/2/28</a:t>
+              <a:t>18/3/4</a:t>
             </a:fld>
             <a:endParaRPr kumimoji="1" lang="zh-CN" altLang="en-US"/>
           </a:p>
@@ -1697,7 +1829,7 @@
           <a:p>
             <a:fld id="{D7B12BEA-236C-5749-AF49-060B228B08C5}" type="datetimeFigureOut">
               <a:rPr kumimoji="1" lang="zh-CN" altLang="en-US" smtClean="0"/>
-              <a:t>18/2/28</a:t>
+              <a:t>18/3/4</a:t>
             </a:fld>
             <a:endParaRPr kumimoji="1" lang="zh-CN" altLang="en-US"/>
           </a:p>
@@ -1867,7 +1999,7 @@
           <a:p>
             <a:fld id="{D7B12BEA-236C-5749-AF49-060B228B08C5}" type="datetimeFigureOut">
               <a:rPr kumimoji="1" lang="zh-CN" altLang="en-US" smtClean="0"/>
-              <a:t>18/2/28</a:t>
+              <a:t>18/3/4</a:t>
             </a:fld>
             <a:endParaRPr kumimoji="1" lang="zh-CN" altLang="en-US"/>
           </a:p>
@@ -2113,7 +2245,7 @@
           <a:p>
             <a:fld id="{D7B12BEA-236C-5749-AF49-060B228B08C5}" type="datetimeFigureOut">
               <a:rPr kumimoji="1" lang="zh-CN" altLang="en-US" smtClean="0"/>
-              <a:t>18/2/28</a:t>
+              <a:t>18/3/4</a:t>
             </a:fld>
             <a:endParaRPr kumimoji="1" lang="zh-CN" altLang="en-US"/>
           </a:p>
@@ -2401,7 +2533,7 @@
           <a:p>
             <a:fld id="{D7B12BEA-236C-5749-AF49-060B228B08C5}" type="datetimeFigureOut">
               <a:rPr kumimoji="1" lang="zh-CN" altLang="en-US" smtClean="0"/>
-              <a:t>18/2/28</a:t>
+              <a:t>18/3/4</a:t>
             </a:fld>
             <a:endParaRPr kumimoji="1" lang="zh-CN" altLang="en-US"/>
           </a:p>
@@ -2823,7 +2955,7 @@
           <a:p>
             <a:fld id="{D7B12BEA-236C-5749-AF49-060B228B08C5}" type="datetimeFigureOut">
               <a:rPr kumimoji="1" lang="zh-CN" altLang="en-US" smtClean="0"/>
-              <a:t>18/2/28</a:t>
+              <a:t>18/3/4</a:t>
             </a:fld>
             <a:endParaRPr kumimoji="1" lang="zh-CN" altLang="en-US"/>
           </a:p>
@@ -2941,7 +3073,7 @@
           <a:p>
             <a:fld id="{D7B12BEA-236C-5749-AF49-060B228B08C5}" type="datetimeFigureOut">
               <a:rPr kumimoji="1" lang="zh-CN" altLang="en-US" smtClean="0"/>
-              <a:t>18/2/28</a:t>
+              <a:t>18/3/4</a:t>
             </a:fld>
             <a:endParaRPr kumimoji="1" lang="zh-CN" altLang="en-US"/>
           </a:p>
@@ -3036,7 +3168,7 @@
           <a:p>
             <a:fld id="{D7B12BEA-236C-5749-AF49-060B228B08C5}" type="datetimeFigureOut">
               <a:rPr kumimoji="1" lang="zh-CN" altLang="en-US" smtClean="0"/>
-              <a:t>18/2/28</a:t>
+              <a:t>18/3/4</a:t>
             </a:fld>
             <a:endParaRPr kumimoji="1" lang="zh-CN" altLang="en-US"/>
           </a:p>
@@ -3313,7 +3445,7 @@
           <a:p>
             <a:fld id="{D7B12BEA-236C-5749-AF49-060B228B08C5}" type="datetimeFigureOut">
               <a:rPr kumimoji="1" lang="zh-CN" altLang="en-US" smtClean="0"/>
-              <a:t>18/2/28</a:t>
+              <a:t>18/3/4</a:t>
             </a:fld>
             <a:endParaRPr kumimoji="1" lang="zh-CN" altLang="en-US"/>
           </a:p>
@@ -3566,7 +3698,7 @@
           <a:p>
             <a:fld id="{D7B12BEA-236C-5749-AF49-060B228B08C5}" type="datetimeFigureOut">
               <a:rPr kumimoji="1" lang="zh-CN" altLang="en-US" smtClean="0"/>
-              <a:t>18/2/28</a:t>
+              <a:t>18/3/4</a:t>
             </a:fld>
             <a:endParaRPr kumimoji="1" lang="zh-CN" altLang="en-US"/>
           </a:p>
@@ -3779,7 +3911,7 @@
           <a:p>
             <a:fld id="{D7B12BEA-236C-5749-AF49-060B228B08C5}" type="datetimeFigureOut">
               <a:rPr kumimoji="1" lang="zh-CN" altLang="en-US" smtClean="0"/>
-              <a:t>18/2/28</a:t>
+              <a:t>18/3/4</a:t>
             </a:fld>
             <a:endParaRPr kumimoji="1" lang="zh-CN" altLang="en-US"/>
           </a:p>
@@ -4270,11 +4402,7 @@
           <a:p>
             <a:r>
               <a:rPr kumimoji="1" lang="zh-CN" altLang="en-US" dirty="0" smtClean="0"/>
-              <a:t>学后台语</a:t>
-            </a:r>
-            <a:r>
-              <a:rPr kumimoji="1" lang="zh-CN" altLang="en-US" dirty="0" smtClean="0"/>
-              <a:t>言</a:t>
+              <a:t>学后台语言</a:t>
             </a:r>
             <a:r>
               <a:rPr kumimoji="1" lang="en-US" altLang="zh-CN" dirty="0" smtClean="0"/>
@@ -4318,11 +4446,7 @@
             </a:r>
             <a:r>
               <a:rPr kumimoji="1" lang="zh-CN" altLang="en-US" dirty="0" smtClean="0"/>
-              <a:t>体系庞大，框架众</a:t>
-            </a:r>
-            <a:r>
-              <a:rPr kumimoji="1" lang="zh-CN" altLang="en-US" dirty="0" smtClean="0"/>
-              <a:t>多</a:t>
+              <a:t>体系庞大，框架众多</a:t>
             </a:r>
             <a:endParaRPr kumimoji="1" lang="en-US" altLang="zh-CN" dirty="0" smtClean="0"/>
           </a:p>
@@ -5654,11 +5778,7 @@
                       <a:pPr algn="ctr"/>
                       <a:r>
                         <a:rPr lang="en-US" altLang="zh-CN" sz="2000" dirty="0" smtClean="0"/>
-                        <a:t>Spring</a:t>
-                      </a:r>
-                      <a:r>
-                        <a:rPr lang="en-US" altLang="zh-CN" sz="2000" dirty="0" smtClean="0"/>
-                        <a:t>/</a:t>
+                        <a:t>Spring/</a:t>
                       </a:r>
                     </a:p>
                     <a:p>
@@ -5829,7 +5949,6 @@
                         <a:rPr lang="zh-CN" altLang="en-US" sz="2000" dirty="0" smtClean="0"/>
                         <a:t>等</a:t>
                       </a:r>
-                      <a:endParaRPr lang="zh-CN" altLang="en-US" sz="2000" dirty="0" smtClean="0"/>
                     </a:p>
                   </a:txBody>
                   <a:tcPr anchor="ctr"/>
